--- a/doc/user_manual/images/workflow.pptx
+++ b/doc/user_manual/images/workflow.pptx
@@ -5,10 +5,11 @@
     <p:sldMasterId id="2147483648" r:id="rId1"/>
   </p:sldMasterIdLst>
   <p:notesMasterIdLst>
-    <p:notesMasterId r:id="rId3"/>
+    <p:notesMasterId r:id="rId4"/>
   </p:notesMasterIdLst>
   <p:sldIdLst>
     <p:sldId id="270" r:id="rId2"/>
+    <p:sldId id="271" r:id="rId3"/>
   </p:sldIdLst>
   <p:sldSz cx="9144000" cy="6858000" type="screen4x3"/>
   <p:notesSz cx="6858000" cy="9144000"/>
@@ -208,7 +209,7 @@
           <a:p>
             <a:fld id="{E61F3277-4CCB-4D43-BAC1-37AC883EB584}" type="datetimeFigureOut">
               <a:rPr lang="fr-FR" smtClean="0"/>
-              <a:t>04/03/2022</a:t>
+              <a:t>02/12/2022</a:t>
             </a:fld>
             <a:endParaRPr lang="fr-FR"/>
           </a:p>
@@ -560,6 +561,90 @@
 </p:notes>
 </file>
 
+<file path=ppt/notesSlides/notesSlide2.xml><?xml version="1.0" encoding="utf-8"?>
+<p:notes xmlns:a="http://schemas.openxmlformats.org/drawingml/2006/main" xmlns:r="http://schemas.openxmlformats.org/officeDocument/2006/relationships" xmlns:p="http://schemas.openxmlformats.org/presentationml/2006/main">
+  <p:cSld>
+    <p:spTree>
+      <p:nvGrpSpPr>
+        <p:cNvPr id="1" name=""/>
+        <p:cNvGrpSpPr/>
+        <p:nvPr/>
+      </p:nvGrpSpPr>
+      <p:grpSpPr>
+        <a:xfrm>
+          <a:off x="0" y="0"/>
+          <a:ext cx="0" cy="0"/>
+          <a:chOff x="0" y="0"/>
+          <a:chExt cx="0" cy="0"/>
+        </a:xfrm>
+      </p:grpSpPr>
+      <p:sp>
+        <p:nvSpPr>
+          <p:cNvPr id="2" name="Espace réservé de l'image des diapositives 1"/>
+          <p:cNvSpPr>
+            <a:spLocks noGrp="1" noRot="1" noChangeAspect="1"/>
+          </p:cNvSpPr>
+          <p:nvPr>
+            <p:ph type="sldImg"/>
+          </p:nvPr>
+        </p:nvSpPr>
+        <p:spPr/>
+      </p:sp>
+      <p:sp>
+        <p:nvSpPr>
+          <p:cNvPr id="3" name="Espace réservé des commentaires 2"/>
+          <p:cNvSpPr>
+            <a:spLocks noGrp="1"/>
+          </p:cNvSpPr>
+          <p:nvPr>
+            <p:ph type="body" idx="1"/>
+          </p:nvPr>
+        </p:nvSpPr>
+        <p:spPr/>
+        <p:txBody>
+          <a:bodyPr/>
+          <a:lstStyle/>
+          <a:p>
+            <a:endParaRPr lang="fr-FR"/>
+          </a:p>
+        </p:txBody>
+      </p:sp>
+      <p:sp>
+        <p:nvSpPr>
+          <p:cNvPr id="4" name="Espace réservé du numéro de diapositive 3"/>
+          <p:cNvSpPr>
+            <a:spLocks noGrp="1"/>
+          </p:cNvSpPr>
+          <p:nvPr>
+            <p:ph type="sldNum" sz="quarter" idx="10"/>
+          </p:nvPr>
+        </p:nvSpPr>
+        <p:spPr/>
+        <p:txBody>
+          <a:bodyPr/>
+          <a:lstStyle/>
+          <a:p>
+            <a:fld id="{DEBFA7D0-18C8-4AE7-9C3C-B3108060A6B7}" type="slidenum">
+              <a:rPr lang="fr-FR" smtClean="0"/>
+              <a:t>2</a:t>
+            </a:fld>
+            <a:endParaRPr lang="fr-FR"/>
+          </a:p>
+        </p:txBody>
+      </p:sp>
+    </p:spTree>
+    <p:extLst>
+      <p:ext uri="{BB962C8B-B14F-4D97-AF65-F5344CB8AC3E}">
+        <p14:creationId xmlns:p14="http://schemas.microsoft.com/office/powerpoint/2010/main" val="1330171805"/>
+      </p:ext>
+    </p:extLst>
+  </p:cSld>
+  <p:clrMapOvr>
+    <a:masterClrMapping/>
+  </p:clrMapOvr>
+</p:notes>
+</file>
+
 <file path=ppt/slideLayouts/slideLayout1.xml><?xml version="1.0" encoding="utf-8"?>
 <p:sldLayout xmlns:a="http://schemas.openxmlformats.org/drawingml/2006/main" xmlns:r="http://schemas.openxmlformats.org/officeDocument/2006/relationships" xmlns:p="http://schemas.openxmlformats.org/presentationml/2006/main" type="title" preserve="1">
   <p:cSld name="Diapositive de titre">
@@ -741,7 +826,7 @@
           <a:p>
             <a:fld id="{BBB401EE-740F-4031-A9F5-271D47C6AA99}" type="datetimeFigureOut">
               <a:rPr lang="fr-FR" smtClean="0"/>
-              <a:t>04/03/2022</a:t>
+              <a:t>02/12/2022</a:t>
             </a:fld>
             <a:endParaRPr lang="fr-FR"/>
           </a:p>
@@ -911,7 +996,7 @@
           <a:p>
             <a:fld id="{BBB401EE-740F-4031-A9F5-271D47C6AA99}" type="datetimeFigureOut">
               <a:rPr lang="fr-FR" smtClean="0"/>
-              <a:t>04/03/2022</a:t>
+              <a:t>02/12/2022</a:t>
             </a:fld>
             <a:endParaRPr lang="fr-FR"/>
           </a:p>
@@ -1091,7 +1176,7 @@
           <a:p>
             <a:fld id="{BBB401EE-740F-4031-A9F5-271D47C6AA99}" type="datetimeFigureOut">
               <a:rPr lang="fr-FR" smtClean="0"/>
-              <a:t>04/03/2022</a:t>
+              <a:t>02/12/2022</a:t>
             </a:fld>
             <a:endParaRPr lang="fr-FR"/>
           </a:p>
@@ -1261,7 +1346,7 @@
           <a:p>
             <a:fld id="{BBB401EE-740F-4031-A9F5-271D47C6AA99}" type="datetimeFigureOut">
               <a:rPr lang="fr-FR" smtClean="0"/>
-              <a:t>04/03/2022</a:t>
+              <a:t>02/12/2022</a:t>
             </a:fld>
             <a:endParaRPr lang="fr-FR"/>
           </a:p>
@@ -1507,7 +1592,7 @@
           <a:p>
             <a:fld id="{BBB401EE-740F-4031-A9F5-271D47C6AA99}" type="datetimeFigureOut">
               <a:rPr lang="fr-FR" smtClean="0"/>
-              <a:t>04/03/2022</a:t>
+              <a:t>02/12/2022</a:t>
             </a:fld>
             <a:endParaRPr lang="fr-FR"/>
           </a:p>
@@ -1795,7 +1880,7 @@
           <a:p>
             <a:fld id="{BBB401EE-740F-4031-A9F5-271D47C6AA99}" type="datetimeFigureOut">
               <a:rPr lang="fr-FR" smtClean="0"/>
-              <a:t>04/03/2022</a:t>
+              <a:t>02/12/2022</a:t>
             </a:fld>
             <a:endParaRPr lang="fr-FR"/>
           </a:p>
@@ -2217,7 +2302,7 @@
           <a:p>
             <a:fld id="{BBB401EE-740F-4031-A9F5-271D47C6AA99}" type="datetimeFigureOut">
               <a:rPr lang="fr-FR" smtClean="0"/>
-              <a:t>04/03/2022</a:t>
+              <a:t>02/12/2022</a:t>
             </a:fld>
             <a:endParaRPr lang="fr-FR"/>
           </a:p>
@@ -2335,7 +2420,7 @@
           <a:p>
             <a:fld id="{BBB401EE-740F-4031-A9F5-271D47C6AA99}" type="datetimeFigureOut">
               <a:rPr lang="fr-FR" smtClean="0"/>
-              <a:t>04/03/2022</a:t>
+              <a:t>02/12/2022</a:t>
             </a:fld>
             <a:endParaRPr lang="fr-FR"/>
           </a:p>
@@ -2430,7 +2515,7 @@
           <a:p>
             <a:fld id="{BBB401EE-740F-4031-A9F5-271D47C6AA99}" type="datetimeFigureOut">
               <a:rPr lang="fr-FR" smtClean="0"/>
-              <a:t>04/03/2022</a:t>
+              <a:t>02/12/2022</a:t>
             </a:fld>
             <a:endParaRPr lang="fr-FR"/>
           </a:p>
@@ -2707,7 +2792,7 @@
           <a:p>
             <a:fld id="{BBB401EE-740F-4031-A9F5-271D47C6AA99}" type="datetimeFigureOut">
               <a:rPr lang="fr-FR" smtClean="0"/>
-              <a:t>04/03/2022</a:t>
+              <a:t>02/12/2022</a:t>
             </a:fld>
             <a:endParaRPr lang="fr-FR"/>
           </a:p>
@@ -2960,7 +3045,7 @@
           <a:p>
             <a:fld id="{BBB401EE-740F-4031-A9F5-271D47C6AA99}" type="datetimeFigureOut">
               <a:rPr lang="fr-FR" smtClean="0"/>
-              <a:t>04/03/2022</a:t>
+              <a:t>02/12/2022</a:t>
             </a:fld>
             <a:endParaRPr lang="fr-FR"/>
           </a:p>
@@ -3173,7 +3258,7 @@
           <a:p>
             <a:fld id="{BBB401EE-740F-4031-A9F5-271D47C6AA99}" type="datetimeFigureOut">
               <a:rPr lang="fr-FR" smtClean="0"/>
-              <a:t>04/03/2022</a:t>
+              <a:t>02/12/2022</a:t>
             </a:fld>
             <a:endParaRPr lang="fr-FR"/>
           </a:p>
@@ -4792,6 +4877,1457 @@
     <p:extLst>
       <p:ext uri="{BB962C8B-B14F-4D97-AF65-F5344CB8AC3E}">
         <p14:creationId xmlns:p14="http://schemas.microsoft.com/office/powerpoint/2010/main" val="2353717176"/>
+      </p:ext>
+    </p:extLst>
+  </p:cSld>
+  <p:clrMapOvr>
+    <a:masterClrMapping/>
+  </p:clrMapOvr>
+  <p:timing>
+    <p:tnLst>
+      <p:par>
+        <p:cTn id="1" dur="indefinite" restart="never" nodeType="tmRoot"/>
+      </p:par>
+    </p:tnLst>
+  </p:timing>
+</p:sld>
+</file>
+
+<file path=ppt/slides/slide2.xml><?xml version="1.0" encoding="utf-8"?>
+<p:sld xmlns:a="http://schemas.openxmlformats.org/drawingml/2006/main" xmlns:r="http://schemas.openxmlformats.org/officeDocument/2006/relationships" xmlns:p="http://schemas.openxmlformats.org/presentationml/2006/main">
+  <p:cSld>
+    <p:spTree>
+      <p:nvGrpSpPr>
+        <p:cNvPr id="1" name=""/>
+        <p:cNvGrpSpPr/>
+        <p:nvPr/>
+      </p:nvGrpSpPr>
+      <p:grpSpPr>
+        <a:xfrm>
+          <a:off x="0" y="0"/>
+          <a:ext cx="0" cy="0"/>
+          <a:chOff x="0" y="0"/>
+          <a:chExt cx="0" cy="0"/>
+        </a:xfrm>
+      </p:grpSpPr>
+      <p:grpSp>
+        <p:nvGrpSpPr>
+          <p:cNvPr id="2" name="Groupe 1"/>
+          <p:cNvGrpSpPr/>
+          <p:nvPr/>
+        </p:nvGrpSpPr>
+        <p:grpSpPr>
+          <a:xfrm>
+            <a:off x="611560" y="332656"/>
+            <a:ext cx="8328894" cy="3492828"/>
+            <a:chOff x="611560" y="332656"/>
+            <a:chExt cx="8328894" cy="3492828"/>
+          </a:xfrm>
+        </p:grpSpPr>
+        <p:sp>
+          <p:nvSpPr>
+            <p:cNvPr id="151" name="Rectangle à coins arrondis 150"/>
+            <p:cNvSpPr/>
+            <p:nvPr/>
+          </p:nvSpPr>
+          <p:spPr bwMode="auto">
+            <a:xfrm>
+              <a:off x="4040759" y="1222705"/>
+              <a:ext cx="1445149" cy="515617"/>
+            </a:xfrm>
+            <a:prstGeom prst="roundRect">
+              <a:avLst/>
+            </a:prstGeom>
+            <a:noFill/>
+            <a:ln w="38100" cap="flat" cmpd="sng" algn="ctr">
+              <a:solidFill>
+                <a:srgbClr val="00B050"/>
+              </a:solidFill>
+              <a:prstDash val="solid"/>
+              <a:round/>
+              <a:headEnd type="none" w="med" len="med"/>
+              <a:tailEnd type="none" w="med" len="med"/>
+            </a:ln>
+            <a:effectLst/>
+            <a:extLst/>
+          </p:spPr>
+          <p:txBody>
+            <a:bodyPr vert="horz" wrap="square" lIns="91440" tIns="45720" rIns="91440" bIns="45720" numCol="1" rtlCol="0" anchor="ctr" anchorCtr="0" compatLnSpc="1">
+              <a:prstTxWarp prst="textNoShape">
+                <a:avLst/>
+              </a:prstTxWarp>
+            </a:bodyPr>
+            <a:lstStyle/>
+            <a:p>
+              <a:pPr marL="0" marR="0" indent="0" algn="ctr" defTabSz="914400" rtl="0" eaLnBrk="0" fontAlgn="base" latinLnBrk="0" hangingPunct="0">
+                <a:lnSpc>
+                  <a:spcPct val="100000"/>
+                </a:lnSpc>
+                <a:spcBef>
+                  <a:spcPct val="0"/>
+                </a:spcBef>
+                <a:spcAft>
+                  <a:spcPct val="0"/>
+                </a:spcAft>
+                <a:buClrTx/>
+                <a:buSzTx/>
+                <a:buFontTx/>
+                <a:buNone/>
+                <a:tabLst/>
+              </a:pPr>
+              <a:r>
+                <a:rPr kumimoji="0" lang="fr-FR" sz="2000" b="0" i="0" u="none" strike="noStrike" cap="none" normalizeH="0" baseline="0" dirty="0" err="1" smtClean="0">
+                  <a:ln>
+                    <a:noFill/>
+                  </a:ln>
+                  <a:solidFill>
+                    <a:srgbClr val="000000"/>
+                  </a:solidFill>
+                  <a:effectLst/>
+                  <a:latin typeface="Arial" charset="0"/>
+                  <a:ea typeface="ＭＳ Ｐゴシック" charset="0"/>
+                  <a:cs typeface="Geneva" charset="0"/>
+                </a:rPr>
+                <a:t>dist_tree</a:t>
+              </a:r>
+              <a:endParaRPr kumimoji="0" lang="fr-FR" sz="1400" b="0" i="0" u="none" strike="noStrike" cap="none" normalizeH="0" baseline="0" dirty="0">
+                <a:ln>
+                  <a:noFill/>
+                </a:ln>
+                <a:solidFill>
+                  <a:srgbClr val="000000"/>
+                </a:solidFill>
+                <a:effectLst/>
+                <a:cs typeface="Geneva" charset="0"/>
+              </a:endParaRPr>
+            </a:p>
+          </p:txBody>
+        </p:sp>
+        <p:sp>
+          <p:nvSpPr>
+            <p:cNvPr id="152" name="Arc 151"/>
+            <p:cNvSpPr/>
+            <p:nvPr/>
+          </p:nvSpPr>
+          <p:spPr bwMode="auto">
+            <a:xfrm rot="13141471">
+              <a:off x="4342624" y="455078"/>
+              <a:ext cx="895785" cy="824400"/>
+            </a:xfrm>
+            <a:prstGeom prst="arc">
+              <a:avLst>
+                <a:gd name="adj1" fmla="val 16200000"/>
+                <a:gd name="adj2" fmla="val 11204701"/>
+              </a:avLst>
+            </a:prstGeom>
+            <a:noFill/>
+            <a:ln w="38100" cap="flat" cmpd="sng" algn="ctr">
+              <a:solidFill>
+                <a:schemeClr val="accent4">
+                  <a:lumMod val="60000"/>
+                  <a:lumOff val="40000"/>
+                </a:schemeClr>
+              </a:solidFill>
+              <a:prstDash val="solid"/>
+              <a:round/>
+              <a:headEnd type="triangle" w="med" len="med"/>
+              <a:tailEnd type="none" w="med" len="med"/>
+            </a:ln>
+            <a:effectLst/>
+            <a:extLst/>
+          </p:spPr>
+          <p:txBody>
+            <a:bodyPr vert="horz" wrap="square" lIns="91440" tIns="45720" rIns="91440" bIns="45720" numCol="1" rtlCol="0" anchor="t" anchorCtr="0" compatLnSpc="1">
+              <a:prstTxWarp prst="textNoShape">
+                <a:avLst/>
+              </a:prstTxWarp>
+            </a:bodyPr>
+            <a:lstStyle/>
+            <a:p>
+              <a:pPr marL="0" marR="0" indent="0" algn="l" defTabSz="914400" rtl="0" eaLnBrk="0" fontAlgn="base" latinLnBrk="0" hangingPunct="0">
+                <a:lnSpc>
+                  <a:spcPct val="100000"/>
+                </a:lnSpc>
+                <a:spcBef>
+                  <a:spcPct val="0"/>
+                </a:spcBef>
+                <a:spcAft>
+                  <a:spcPct val="0"/>
+                </a:spcAft>
+                <a:buClrTx/>
+                <a:buSzTx/>
+                <a:buFontTx/>
+                <a:buNone/>
+                <a:tabLst/>
+              </a:pPr>
+              <a:endParaRPr kumimoji="0" lang="fr-FR" sz="2400" b="0" i="0" u="none" strike="noStrike" cap="none" normalizeH="0" baseline="0">
+                <a:ln>
+                  <a:noFill/>
+                </a:ln>
+                <a:solidFill>
+                  <a:srgbClr val="000000"/>
+                </a:solidFill>
+                <a:effectLst/>
+                <a:latin typeface="Arial" charset="0"/>
+                <a:ea typeface="ＭＳ Ｐゴシック" charset="0"/>
+                <a:cs typeface="Geneva" charset="0"/>
+              </a:endParaRPr>
+            </a:p>
+          </p:txBody>
+        </p:sp>
+        <p:sp>
+          <p:nvSpPr>
+            <p:cNvPr id="153" name="Arc 152"/>
+            <p:cNvSpPr/>
+            <p:nvPr/>
+          </p:nvSpPr>
+          <p:spPr bwMode="auto">
+            <a:xfrm rot="13141471" flipH="1" flipV="1">
+              <a:off x="4347589" y="2962853"/>
+              <a:ext cx="831485" cy="765224"/>
+            </a:xfrm>
+            <a:prstGeom prst="arc">
+              <a:avLst>
+                <a:gd name="adj1" fmla="val 16200000"/>
+                <a:gd name="adj2" fmla="val 11204701"/>
+              </a:avLst>
+            </a:prstGeom>
+            <a:noFill/>
+            <a:ln w="38100" cap="flat" cmpd="sng" algn="ctr">
+              <a:solidFill>
+                <a:schemeClr val="accent4">
+                  <a:lumMod val="60000"/>
+                  <a:lumOff val="40000"/>
+                </a:schemeClr>
+              </a:solidFill>
+              <a:prstDash val="solid"/>
+              <a:round/>
+              <a:headEnd type="triangle" w="med" len="med"/>
+              <a:tailEnd type="none" w="med" len="med"/>
+            </a:ln>
+            <a:effectLst/>
+            <a:extLst/>
+          </p:spPr>
+          <p:txBody>
+            <a:bodyPr vert="horz" wrap="square" lIns="91440" tIns="45720" rIns="91440" bIns="45720" numCol="1" rtlCol="0" anchor="t" anchorCtr="0" compatLnSpc="1">
+              <a:prstTxWarp prst="textNoShape">
+                <a:avLst/>
+              </a:prstTxWarp>
+            </a:bodyPr>
+            <a:lstStyle/>
+            <a:p>
+              <a:pPr marL="0" marR="0" indent="0" algn="l" defTabSz="914400" rtl="0" eaLnBrk="0" fontAlgn="base" latinLnBrk="0" hangingPunct="0">
+                <a:lnSpc>
+                  <a:spcPct val="100000"/>
+                </a:lnSpc>
+                <a:spcBef>
+                  <a:spcPct val="0"/>
+                </a:spcBef>
+                <a:spcAft>
+                  <a:spcPct val="0"/>
+                </a:spcAft>
+                <a:buClrTx/>
+                <a:buSzTx/>
+                <a:buFontTx/>
+                <a:buNone/>
+                <a:tabLst/>
+              </a:pPr>
+              <a:endParaRPr kumimoji="0" lang="fr-FR" sz="2400" b="0" i="0" u="none" strike="noStrike" cap="none" normalizeH="0" baseline="0">
+                <a:ln>
+                  <a:noFill/>
+                </a:ln>
+                <a:solidFill>
+                  <a:srgbClr val="000000"/>
+                </a:solidFill>
+                <a:effectLst/>
+                <a:latin typeface="Arial" charset="0"/>
+                <a:ea typeface="ＭＳ Ｐゴシック" charset="0"/>
+                <a:cs typeface="Geneva" charset="0"/>
+              </a:endParaRPr>
+            </a:p>
+          </p:txBody>
+        </p:sp>
+        <p:cxnSp>
+          <p:nvCxnSpPr>
+            <p:cNvPr id="154" name="Connecteur droit avec flèche 153"/>
+            <p:cNvCxnSpPr/>
+            <p:nvPr/>
+          </p:nvCxnSpPr>
+          <p:spPr bwMode="auto">
+            <a:xfrm>
+              <a:off x="1881549" y="972377"/>
+              <a:ext cx="2145473" cy="360425"/>
+            </a:xfrm>
+            <a:prstGeom prst="straightConnector1">
+              <a:avLst/>
+            </a:prstGeom>
+            <a:solidFill>
+              <a:schemeClr val="accent1"/>
+            </a:solidFill>
+            <a:ln w="38100" cap="flat" cmpd="sng" algn="ctr">
+              <a:solidFill>
+                <a:schemeClr val="accent2">
+                  <a:lumMod val="60000"/>
+                  <a:lumOff val="40000"/>
+                </a:schemeClr>
+              </a:solidFill>
+              <a:prstDash val="solid"/>
+              <a:round/>
+              <a:headEnd type="none" w="med" len="med"/>
+              <a:tailEnd type="triangle"/>
+            </a:ln>
+            <a:effectLst/>
+            <a:extLst>
+              <a:ext uri="{AF507438-7753-43E0-B8FC-AC1667EBCBE1}">
+                <a14:hiddenEffects xmlns:a14="http://schemas.microsoft.com/office/drawing/2010/main">
+                  <a:effectLst>
+                    <a:outerShdw blurRad="63500" dist="38099" dir="2700000" algn="ctr" rotWithShape="0">
+                      <a:schemeClr val="bg2">
+                        <a:alpha val="74998"/>
+                      </a:schemeClr>
+                    </a:outerShdw>
+                  </a:effectLst>
+                </a14:hiddenEffects>
+              </a:ext>
+            </a:extLst>
+          </p:spPr>
+        </p:cxnSp>
+        <p:cxnSp>
+          <p:nvCxnSpPr>
+            <p:cNvPr id="155" name="Connecteur droit avec flèche 154"/>
+            <p:cNvCxnSpPr/>
+            <p:nvPr/>
+          </p:nvCxnSpPr>
+          <p:spPr bwMode="auto">
+            <a:xfrm>
+              <a:off x="4611991" y="1765595"/>
+              <a:ext cx="0" cy="612000"/>
+            </a:xfrm>
+            <a:prstGeom prst="straightConnector1">
+              <a:avLst/>
+            </a:prstGeom>
+            <a:solidFill>
+              <a:schemeClr val="accent1"/>
+            </a:solidFill>
+            <a:ln w="38100" cap="flat" cmpd="sng" algn="ctr">
+              <a:solidFill>
+                <a:schemeClr val="accent2">
+                  <a:lumMod val="60000"/>
+                  <a:lumOff val="40000"/>
+                </a:schemeClr>
+              </a:solidFill>
+              <a:prstDash val="solid"/>
+              <a:round/>
+              <a:headEnd type="triangle" w="med" len="med"/>
+              <a:tailEnd type="triangle"/>
+            </a:ln>
+            <a:effectLst/>
+            <a:extLst>
+              <a:ext uri="{AF507438-7753-43E0-B8FC-AC1667EBCBE1}">
+                <a14:hiddenEffects xmlns:a14="http://schemas.microsoft.com/office/drawing/2010/main">
+                  <a:effectLst>
+                    <a:outerShdw blurRad="63500" dist="38099" dir="2700000" algn="ctr" rotWithShape="0">
+                      <a:schemeClr val="bg2">
+                        <a:alpha val="74998"/>
+                      </a:schemeClr>
+                    </a:outerShdw>
+                  </a:effectLst>
+                </a14:hiddenEffects>
+              </a:ext>
+            </a:extLst>
+          </p:spPr>
+        </p:cxnSp>
+        <p:sp>
+          <p:nvSpPr>
+            <p:cNvPr id="156" name="ZoneTexte 155"/>
+            <p:cNvSpPr txBox="1"/>
+            <p:nvPr/>
+          </p:nvSpPr>
+          <p:spPr>
+            <a:xfrm>
+              <a:off x="5039252" y="1866310"/>
+              <a:ext cx="1357679" cy="338554"/>
+            </a:xfrm>
+            <a:prstGeom prst="rect">
+              <a:avLst/>
+            </a:prstGeom>
+            <a:noFill/>
+          </p:spPr>
+          <p:txBody>
+            <a:bodyPr wrap="none" rtlCol="0">
+              <a:spAutoFit/>
+            </a:bodyPr>
+            <a:lstStyle/>
+            <a:p>
+              <a:r>
+                <a:rPr lang="fr-FR" sz="1600" b="0" dirty="0" smtClean="0">
+                  <a:solidFill>
+                    <a:srgbClr val="7030A0"/>
+                  </a:solidFill>
+                </a:rPr>
+                <a:t>Field </a:t>
+              </a:r>
+              <a:r>
+                <a:rPr lang="fr-FR" sz="1600" b="0" dirty="0" err="1" smtClean="0">
+                  <a:solidFill>
+                    <a:srgbClr val="7030A0"/>
+                  </a:solidFill>
+                </a:rPr>
+                <a:t>transfers</a:t>
+              </a:r>
+              <a:endParaRPr lang="fr-FR" b="0" dirty="0">
+                <a:solidFill>
+                  <a:srgbClr val="7030A0"/>
+                </a:solidFill>
+              </a:endParaRPr>
+            </a:p>
+          </p:txBody>
+        </p:sp>
+        <p:sp>
+          <p:nvSpPr>
+            <p:cNvPr id="157" name="ZoneTexte 156"/>
+            <p:cNvSpPr txBox="1"/>
+            <p:nvPr/>
+          </p:nvSpPr>
+          <p:spPr>
+            <a:xfrm>
+              <a:off x="5159693" y="332656"/>
+              <a:ext cx="2148611" cy="707886"/>
+            </a:xfrm>
+            <a:prstGeom prst="rect">
+              <a:avLst/>
+            </a:prstGeom>
+            <a:noFill/>
+          </p:spPr>
+          <p:txBody>
+            <a:bodyPr wrap="square" rtlCol="0">
+              <a:spAutoFit/>
+            </a:bodyPr>
+            <a:lstStyle/>
+            <a:p>
+              <a:r>
+                <a:rPr lang="fr-FR" sz="1600" b="0" dirty="0" err="1" smtClean="0">
+                  <a:solidFill>
+                    <a:srgbClr val="7030A0"/>
+                  </a:solidFill>
+                </a:rPr>
+                <a:t>Distributed</a:t>
+              </a:r>
+              <a:r>
+                <a:rPr lang="fr-FR" sz="1600" b="0" dirty="0" smtClean="0">
+                  <a:solidFill>
+                    <a:srgbClr val="7030A0"/>
+                  </a:solidFill>
+                </a:rPr>
+                <a:t> </a:t>
+              </a:r>
+              <a:r>
+                <a:rPr lang="fr-FR" sz="1600" b="0" dirty="0" err="1" smtClean="0">
+                  <a:solidFill>
+                    <a:srgbClr val="7030A0"/>
+                  </a:solidFill>
+                </a:rPr>
+                <a:t>algorithms</a:t>
+              </a:r>
+              <a:endParaRPr lang="fr-FR" sz="1600" b="0" dirty="0" smtClean="0">
+                <a:solidFill>
+                  <a:srgbClr val="7030A0"/>
+                </a:solidFill>
+              </a:endParaRPr>
+            </a:p>
+            <a:p>
+              <a:r>
+                <a:rPr lang="fr-FR" sz="1200" b="0" dirty="0" smtClean="0">
+                  <a:solidFill>
+                    <a:srgbClr val="7030A0"/>
+                  </a:solidFill>
+                </a:rPr>
+                <a:t>zone </a:t>
+              </a:r>
+              <a:r>
+                <a:rPr lang="fr-FR" sz="1200" b="0" dirty="0" err="1" smtClean="0">
+                  <a:solidFill>
+                    <a:srgbClr val="7030A0"/>
+                  </a:solidFill>
+                </a:rPr>
+                <a:t>merges</a:t>
+              </a:r>
+              <a:r>
+                <a:rPr lang="fr-FR" sz="1200" b="0" dirty="0" smtClean="0">
+                  <a:solidFill>
+                    <a:srgbClr val="7030A0"/>
+                  </a:solidFill>
+                </a:rPr>
+                <a:t>,</a:t>
+              </a:r>
+            </a:p>
+            <a:p>
+              <a:r>
+                <a:rPr lang="fr-FR" sz="1200" b="0" dirty="0" err="1" smtClean="0">
+                  <a:solidFill>
+                    <a:srgbClr val="7030A0"/>
+                  </a:solidFill>
+                </a:rPr>
+                <a:t>connectivity</a:t>
+              </a:r>
+              <a:r>
+                <a:rPr lang="fr-FR" sz="1200" b="0" dirty="0" smtClean="0">
+                  <a:solidFill>
+                    <a:srgbClr val="7030A0"/>
+                  </a:solidFill>
+                </a:rPr>
+                <a:t> transformations…</a:t>
+              </a:r>
+              <a:endParaRPr lang="fr-FR" sz="1400" b="0" dirty="0">
+                <a:solidFill>
+                  <a:srgbClr val="7030A0"/>
+                </a:solidFill>
+              </a:endParaRPr>
+            </a:p>
+          </p:txBody>
+        </p:sp>
+        <p:sp>
+          <p:nvSpPr>
+            <p:cNvPr id="158" name="ZoneTexte 157"/>
+            <p:cNvSpPr txBox="1"/>
+            <p:nvPr/>
+          </p:nvSpPr>
+          <p:spPr>
+            <a:xfrm>
+              <a:off x="5126756" y="3117598"/>
+              <a:ext cx="2046329" cy="707886"/>
+            </a:xfrm>
+            <a:prstGeom prst="rect">
+              <a:avLst/>
+            </a:prstGeom>
+            <a:noFill/>
+          </p:spPr>
+          <p:txBody>
+            <a:bodyPr wrap="none" rtlCol="0">
+              <a:spAutoFit/>
+            </a:bodyPr>
+            <a:lstStyle/>
+            <a:p>
+              <a:r>
+                <a:rPr lang="fr-FR" sz="1600" dirty="0" err="1" smtClean="0">
+                  <a:solidFill>
+                    <a:srgbClr val="7030A0"/>
+                  </a:solidFill>
+                </a:rPr>
+                <a:t>Partitioned</a:t>
+              </a:r>
+              <a:r>
+                <a:rPr lang="fr-FR" sz="1600" dirty="0" smtClean="0">
+                  <a:solidFill>
+                    <a:srgbClr val="7030A0"/>
+                  </a:solidFill>
+                </a:rPr>
+                <a:t> </a:t>
+              </a:r>
+              <a:r>
+                <a:rPr lang="fr-FR" sz="1600" dirty="0" err="1" smtClean="0">
+                  <a:solidFill>
+                    <a:srgbClr val="7030A0"/>
+                  </a:solidFill>
+                </a:rPr>
+                <a:t>algorithms</a:t>
+              </a:r>
+              <a:endParaRPr lang="fr-FR" sz="1600" b="0" dirty="0" smtClean="0">
+                <a:solidFill>
+                  <a:srgbClr val="7030A0"/>
+                </a:solidFill>
+              </a:endParaRPr>
+            </a:p>
+            <a:p>
+              <a:r>
+                <a:rPr lang="fr-FR" sz="1200" dirty="0" err="1" smtClean="0">
+                  <a:solidFill>
+                    <a:srgbClr val="7030A0"/>
+                  </a:solidFill>
+                </a:rPr>
+                <a:t>Solver</a:t>
+              </a:r>
+              <a:r>
+                <a:rPr lang="fr-FR" sz="1200" dirty="0" smtClean="0">
+                  <a:solidFill>
+                    <a:srgbClr val="7030A0"/>
+                  </a:solidFill>
+                </a:rPr>
+                <a:t>, </a:t>
+              </a:r>
+              <a:r>
+                <a:rPr lang="fr-FR" sz="1200" dirty="0" err="1">
+                  <a:solidFill>
+                    <a:srgbClr val="7030A0"/>
+                  </a:solidFill>
+                </a:rPr>
+                <a:t>wall</a:t>
+              </a:r>
+              <a:r>
+                <a:rPr lang="fr-FR" sz="1200" dirty="0">
+                  <a:solidFill>
+                    <a:srgbClr val="7030A0"/>
+                  </a:solidFill>
+                </a:rPr>
+                <a:t> </a:t>
+              </a:r>
+              <a:r>
+                <a:rPr lang="fr-FR" sz="1200" dirty="0" smtClean="0">
+                  <a:solidFill>
+                    <a:srgbClr val="7030A0"/>
+                  </a:solidFill>
+                </a:rPr>
+                <a:t>distances,</a:t>
+              </a:r>
+              <a:endParaRPr lang="fr-FR" sz="1400" dirty="0">
+                <a:solidFill>
+                  <a:srgbClr val="7030A0"/>
+                </a:solidFill>
+              </a:endParaRPr>
+            </a:p>
+            <a:p>
+              <a:r>
+                <a:rPr lang="fr-FR" sz="1200" dirty="0" smtClean="0">
+                  <a:solidFill>
+                    <a:srgbClr val="7030A0"/>
+                  </a:solidFill>
+                </a:rPr>
+                <a:t>HPC </a:t>
+              </a:r>
+              <a:r>
+                <a:rPr lang="fr-FR" sz="1200" dirty="0" err="1" smtClean="0">
+                  <a:solidFill>
+                    <a:srgbClr val="7030A0"/>
+                  </a:solidFill>
+                </a:rPr>
+                <a:t>renumbering</a:t>
+              </a:r>
+              <a:r>
+                <a:rPr lang="fr-FR" sz="1200" dirty="0" smtClean="0">
+                  <a:solidFill>
+                    <a:srgbClr val="7030A0"/>
+                  </a:solidFill>
+                </a:rPr>
+                <a:t>…</a:t>
+              </a:r>
+              <a:endParaRPr lang="fr-FR" sz="1400" b="0" dirty="0">
+                <a:solidFill>
+                  <a:srgbClr val="7030A0"/>
+                </a:solidFill>
+              </a:endParaRPr>
+            </a:p>
+          </p:txBody>
+        </p:sp>
+        <p:cxnSp>
+          <p:nvCxnSpPr>
+            <p:cNvPr id="159" name="Connecteur droit avec flèche 158"/>
+            <p:cNvCxnSpPr>
+              <a:stCxn id="151" idx="1"/>
+            </p:cNvCxnSpPr>
+            <p:nvPr/>
+          </p:nvCxnSpPr>
+          <p:spPr bwMode="auto">
+            <a:xfrm flipH="1" flipV="1">
+              <a:off x="1881549" y="1118854"/>
+              <a:ext cx="2159210" cy="361660"/>
+            </a:xfrm>
+            <a:prstGeom prst="straightConnector1">
+              <a:avLst/>
+            </a:prstGeom>
+            <a:solidFill>
+              <a:schemeClr val="accent1"/>
+            </a:solidFill>
+            <a:ln w="38100" cap="flat" cmpd="sng" algn="ctr">
+              <a:solidFill>
+                <a:schemeClr val="accent1">
+                  <a:lumMod val="60000"/>
+                  <a:lumOff val="40000"/>
+                </a:schemeClr>
+              </a:solidFill>
+              <a:prstDash val="solid"/>
+              <a:round/>
+              <a:headEnd type="none" w="med" len="med"/>
+              <a:tailEnd type="triangle"/>
+            </a:ln>
+            <a:effectLst/>
+            <a:extLst>
+              <a:ext uri="{AF507438-7753-43E0-B8FC-AC1667EBCBE1}">
+                <a14:hiddenEffects xmlns:a14="http://schemas.microsoft.com/office/drawing/2010/main">
+                  <a:effectLst>
+                    <a:outerShdw blurRad="63500" dist="38099" dir="2700000" algn="ctr" rotWithShape="0">
+                      <a:schemeClr val="bg2">
+                        <a:alpha val="74998"/>
+                      </a:schemeClr>
+                    </a:outerShdw>
+                  </a:effectLst>
+                </a14:hiddenEffects>
+              </a:ext>
+            </a:extLst>
+          </p:spPr>
+        </p:cxnSp>
+        <p:sp>
+          <p:nvSpPr>
+            <p:cNvPr id="160" name="ZoneTexte 159"/>
+            <p:cNvSpPr txBox="1"/>
+            <p:nvPr/>
+          </p:nvSpPr>
+          <p:spPr>
+            <a:xfrm rot="597555">
+              <a:off x="1844560" y="1293268"/>
+              <a:ext cx="2613756" cy="369332"/>
+            </a:xfrm>
+            <a:prstGeom prst="rect">
+              <a:avLst/>
+            </a:prstGeom>
+            <a:noFill/>
+          </p:spPr>
+          <p:txBody>
+            <a:bodyPr wrap="square" rtlCol="0">
+              <a:spAutoFit/>
+            </a:bodyPr>
+            <a:lstStyle/>
+            <a:p>
+              <a:r>
+                <a:rPr lang="fr-FR" sz="1800" b="0" dirty="0" err="1" smtClean="0">
+                  <a:solidFill>
+                    <a:srgbClr val="005CCD"/>
+                  </a:solidFill>
+                </a:rPr>
+                <a:t>Parallel</a:t>
+              </a:r>
+              <a:r>
+                <a:rPr lang="fr-FR" sz="1800" b="0" dirty="0" smtClean="0">
+                  <a:solidFill>
+                    <a:srgbClr val="005CCD"/>
+                  </a:solidFill>
+                </a:rPr>
+                <a:t> file </a:t>
+              </a:r>
+              <a:r>
+                <a:rPr lang="fr-FR" sz="1800" b="0" dirty="0" err="1" smtClean="0">
+                  <a:solidFill>
+                    <a:srgbClr val="005CCD"/>
+                  </a:solidFill>
+                </a:rPr>
+                <a:t>writing</a:t>
+              </a:r>
+              <a:endParaRPr lang="fr-FR" sz="1400" b="0" dirty="0">
+                <a:solidFill>
+                  <a:srgbClr val="005CCD"/>
+                </a:solidFill>
+              </a:endParaRPr>
+            </a:p>
+          </p:txBody>
+        </p:sp>
+        <p:grpSp>
+          <p:nvGrpSpPr>
+            <p:cNvPr id="161" name="Groupe 160"/>
+            <p:cNvGrpSpPr/>
+            <p:nvPr/>
+          </p:nvGrpSpPr>
+          <p:grpSpPr>
+            <a:xfrm>
+              <a:off x="4044898" y="2380060"/>
+              <a:ext cx="1575536" cy="629588"/>
+              <a:chOff x="2648774" y="4390222"/>
+              <a:chExt cx="1449982" cy="629588"/>
+            </a:xfrm>
+          </p:grpSpPr>
+          <p:sp>
+            <p:nvSpPr>
+              <p:cNvPr id="166" name="Rectangle à coins arrondis 165"/>
+              <p:cNvSpPr/>
+              <p:nvPr/>
+            </p:nvSpPr>
+            <p:spPr bwMode="auto">
+              <a:xfrm>
+                <a:off x="2648774" y="4390222"/>
+                <a:ext cx="1329986" cy="515617"/>
+              </a:xfrm>
+              <a:prstGeom prst="roundRect">
+                <a:avLst/>
+              </a:prstGeom>
+              <a:noFill/>
+              <a:ln w="38100" cap="flat" cmpd="sng" algn="ctr">
+                <a:solidFill>
+                  <a:srgbClr val="00B050"/>
+                </a:solidFill>
+                <a:prstDash val="solid"/>
+                <a:round/>
+                <a:headEnd type="none" w="med" len="med"/>
+                <a:tailEnd type="none" w="med" len="med"/>
+              </a:ln>
+              <a:effectLst/>
+              <a:extLst/>
+            </p:spPr>
+            <p:txBody>
+              <a:bodyPr vert="horz" wrap="square" lIns="91440" tIns="45720" rIns="91440" bIns="45720" numCol="1" rtlCol="0" anchor="ctr" anchorCtr="0" compatLnSpc="1">
+                <a:prstTxWarp prst="textNoShape">
+                  <a:avLst/>
+                </a:prstTxWarp>
+              </a:bodyPr>
+              <a:lstStyle/>
+              <a:p>
+                <a:pPr marL="0" marR="0" indent="0" algn="ctr" defTabSz="914400" rtl="0" eaLnBrk="0" fontAlgn="base" latinLnBrk="0" hangingPunct="0">
+                  <a:lnSpc>
+                    <a:spcPct val="100000"/>
+                  </a:lnSpc>
+                  <a:spcBef>
+                    <a:spcPct val="0"/>
+                  </a:spcBef>
+                  <a:spcAft>
+                    <a:spcPct val="0"/>
+                  </a:spcAft>
+                  <a:buClrTx/>
+                  <a:buSzTx/>
+                  <a:buFontTx/>
+                  <a:buNone/>
+                  <a:tabLst/>
+                </a:pPr>
+                <a:r>
+                  <a:rPr kumimoji="0" lang="fr-FR" sz="2000" b="0" i="0" u="none" strike="noStrike" cap="none" normalizeH="0" baseline="0" dirty="0" err="1" smtClean="0">
+                    <a:ln>
+                      <a:noFill/>
+                    </a:ln>
+                    <a:solidFill>
+                      <a:srgbClr val="000000"/>
+                    </a:solidFill>
+                    <a:effectLst/>
+                    <a:latin typeface="Arial" charset="0"/>
+                    <a:ea typeface="ＭＳ Ｐゴシック" charset="0"/>
+                    <a:cs typeface="Geneva" charset="0"/>
+                  </a:rPr>
+                  <a:t>Part_tree</a:t>
+                </a:r>
+                <a:endParaRPr kumimoji="0" lang="fr-FR" sz="1400" b="0" i="0" u="none" strike="noStrike" cap="none" normalizeH="0" baseline="0" dirty="0">
+                  <a:ln>
+                    <a:noFill/>
+                  </a:ln>
+                  <a:solidFill>
+                    <a:srgbClr val="000000"/>
+                  </a:solidFill>
+                  <a:effectLst/>
+                  <a:cs typeface="Geneva" charset="0"/>
+                </a:endParaRPr>
+              </a:p>
+            </p:txBody>
+          </p:sp>
+          <p:sp>
+            <p:nvSpPr>
+              <p:cNvPr id="167" name="Rectangle à coins arrondis 166"/>
+              <p:cNvSpPr/>
+              <p:nvPr/>
+            </p:nvSpPr>
+            <p:spPr bwMode="auto">
+              <a:xfrm>
+                <a:off x="2708764" y="4447443"/>
+                <a:ext cx="1329986" cy="515617"/>
+              </a:xfrm>
+              <a:prstGeom prst="roundRect">
+                <a:avLst/>
+              </a:prstGeom>
+              <a:solidFill>
+                <a:schemeClr val="bg1"/>
+              </a:solidFill>
+              <a:ln w="38100" cap="flat" cmpd="sng" algn="ctr">
+                <a:solidFill>
+                  <a:srgbClr val="00B050"/>
+                </a:solidFill>
+                <a:prstDash val="solid"/>
+                <a:round/>
+                <a:headEnd type="none" w="med" len="med"/>
+                <a:tailEnd type="none" w="med" len="med"/>
+              </a:ln>
+              <a:effectLst/>
+              <a:extLst/>
+            </p:spPr>
+            <p:txBody>
+              <a:bodyPr vert="horz" wrap="square" lIns="91440" tIns="45720" rIns="91440" bIns="45720" numCol="1" rtlCol="0" anchor="ctr" anchorCtr="0" compatLnSpc="1">
+                <a:prstTxWarp prst="textNoShape">
+                  <a:avLst/>
+                </a:prstTxWarp>
+              </a:bodyPr>
+              <a:lstStyle/>
+              <a:p>
+                <a:pPr marL="0" marR="0" indent="0" algn="ctr" defTabSz="914400" rtl="0" eaLnBrk="0" fontAlgn="base" latinLnBrk="0" hangingPunct="0">
+                  <a:lnSpc>
+                    <a:spcPct val="100000"/>
+                  </a:lnSpc>
+                  <a:spcBef>
+                    <a:spcPct val="0"/>
+                  </a:spcBef>
+                  <a:spcAft>
+                    <a:spcPct val="0"/>
+                  </a:spcAft>
+                  <a:buClrTx/>
+                  <a:buSzTx/>
+                  <a:buFontTx/>
+                  <a:buNone/>
+                  <a:tabLst/>
+                </a:pPr>
+                <a:r>
+                  <a:rPr kumimoji="0" lang="fr-FR" sz="2000" b="0" i="0" u="none" strike="noStrike" cap="none" normalizeH="0" baseline="0" dirty="0" err="1" smtClean="0">
+                    <a:ln>
+                      <a:noFill/>
+                    </a:ln>
+                    <a:solidFill>
+                      <a:srgbClr val="000000"/>
+                    </a:solidFill>
+                    <a:effectLst/>
+                    <a:latin typeface="Arial" charset="0"/>
+                    <a:ea typeface="ＭＳ Ｐゴシック" charset="0"/>
+                    <a:cs typeface="Geneva" charset="0"/>
+                  </a:rPr>
+                  <a:t>Part_tree</a:t>
+                </a:r>
+                <a:endParaRPr kumimoji="0" lang="fr-FR" sz="1400" b="0" i="0" u="none" strike="noStrike" cap="none" normalizeH="0" baseline="0" dirty="0">
+                  <a:ln>
+                    <a:noFill/>
+                  </a:ln>
+                  <a:solidFill>
+                    <a:srgbClr val="000000"/>
+                  </a:solidFill>
+                  <a:effectLst/>
+                  <a:cs typeface="Geneva" charset="0"/>
+                </a:endParaRPr>
+              </a:p>
+            </p:txBody>
+          </p:sp>
+          <p:sp>
+            <p:nvSpPr>
+              <p:cNvPr id="168" name="Rectangle à coins arrondis 167"/>
+              <p:cNvSpPr/>
+              <p:nvPr/>
+            </p:nvSpPr>
+            <p:spPr bwMode="auto">
+              <a:xfrm>
+                <a:off x="2768770" y="4504193"/>
+                <a:ext cx="1329986" cy="515617"/>
+              </a:xfrm>
+              <a:prstGeom prst="roundRect">
+                <a:avLst/>
+              </a:prstGeom>
+              <a:solidFill>
+                <a:schemeClr val="bg1"/>
+              </a:solidFill>
+              <a:ln w="38100" cap="flat" cmpd="sng" algn="ctr">
+                <a:solidFill>
+                  <a:srgbClr val="00B050"/>
+                </a:solidFill>
+                <a:prstDash val="solid"/>
+                <a:round/>
+                <a:headEnd type="none" w="med" len="med"/>
+                <a:tailEnd type="none" w="med" len="med"/>
+              </a:ln>
+              <a:effectLst/>
+              <a:extLst/>
+            </p:spPr>
+            <p:txBody>
+              <a:bodyPr vert="horz" wrap="square" lIns="91440" tIns="45720" rIns="91440" bIns="45720" numCol="1" rtlCol="0" anchor="ctr" anchorCtr="0" compatLnSpc="1">
+                <a:prstTxWarp prst="textNoShape">
+                  <a:avLst/>
+                </a:prstTxWarp>
+              </a:bodyPr>
+              <a:lstStyle/>
+              <a:p>
+                <a:pPr marL="0" marR="0" indent="0" algn="ctr" defTabSz="914400" rtl="0" eaLnBrk="0" fontAlgn="base" latinLnBrk="0" hangingPunct="0">
+                  <a:lnSpc>
+                    <a:spcPct val="100000"/>
+                  </a:lnSpc>
+                  <a:spcBef>
+                    <a:spcPct val="0"/>
+                  </a:spcBef>
+                  <a:spcAft>
+                    <a:spcPct val="0"/>
+                  </a:spcAft>
+                  <a:buClrTx/>
+                  <a:buSzTx/>
+                  <a:buFontTx/>
+                  <a:buNone/>
+                  <a:tabLst/>
+                </a:pPr>
+                <a:r>
+                  <a:rPr kumimoji="0" lang="fr-FR" sz="2000" b="0" i="0" u="none" strike="noStrike" cap="none" normalizeH="0" baseline="0" dirty="0" err="1" smtClean="0">
+                    <a:ln>
+                      <a:noFill/>
+                    </a:ln>
+                    <a:solidFill>
+                      <a:srgbClr val="000000"/>
+                    </a:solidFill>
+                    <a:effectLst/>
+                    <a:latin typeface="Arial" charset="0"/>
+                    <a:ea typeface="ＭＳ Ｐゴシック" charset="0"/>
+                    <a:cs typeface="Geneva" charset="0"/>
+                  </a:rPr>
+                  <a:t>part_tree</a:t>
+                </a:r>
+                <a:endParaRPr kumimoji="0" lang="fr-FR" sz="1400" b="0" i="0" u="none" strike="noStrike" cap="none" normalizeH="0" baseline="0" dirty="0">
+                  <a:ln>
+                    <a:noFill/>
+                  </a:ln>
+                  <a:solidFill>
+                    <a:srgbClr val="000000"/>
+                  </a:solidFill>
+                  <a:effectLst/>
+                  <a:cs typeface="Geneva" charset="0"/>
+                </a:endParaRPr>
+              </a:p>
+            </p:txBody>
+          </p:sp>
+        </p:grpSp>
+        <p:sp>
+          <p:nvSpPr>
+            <p:cNvPr id="162" name="ZoneTexte 161"/>
+            <p:cNvSpPr txBox="1"/>
+            <p:nvPr/>
+          </p:nvSpPr>
+          <p:spPr>
+            <a:xfrm rot="631542">
+              <a:off x="1991425" y="772374"/>
+              <a:ext cx="2127026" cy="369332"/>
+            </a:xfrm>
+            <a:prstGeom prst="rect">
+              <a:avLst/>
+            </a:prstGeom>
+            <a:noFill/>
+          </p:spPr>
+          <p:txBody>
+            <a:bodyPr wrap="none" rtlCol="0">
+              <a:spAutoFit/>
+            </a:bodyPr>
+            <a:lstStyle/>
+            <a:p>
+              <a:r>
+                <a:rPr lang="fr-FR" dirty="0" err="1" smtClean="0">
+                  <a:solidFill>
+                    <a:srgbClr val="FF0000"/>
+                  </a:solidFill>
+                </a:rPr>
+                <a:t>Parallel</a:t>
+              </a:r>
+              <a:r>
+                <a:rPr lang="fr-FR" dirty="0" smtClean="0">
+                  <a:solidFill>
+                    <a:srgbClr val="FF0000"/>
+                  </a:solidFill>
+                </a:rPr>
+                <a:t> file </a:t>
+              </a:r>
+              <a:r>
+                <a:rPr lang="fr-FR" dirty="0" err="1" smtClean="0">
+                  <a:solidFill>
+                    <a:srgbClr val="FF0000"/>
+                  </a:solidFill>
+                </a:rPr>
+                <a:t>loading</a:t>
+              </a:r>
+              <a:endParaRPr lang="fr-FR" sz="1800" b="0" dirty="0" smtClean="0">
+                <a:solidFill>
+                  <a:srgbClr val="FF0000"/>
+                </a:solidFill>
+              </a:endParaRPr>
+            </a:p>
+          </p:txBody>
+        </p:sp>
+        <p:sp>
+          <p:nvSpPr>
+            <p:cNvPr id="163" name="ZoneTexte 162"/>
+            <p:cNvSpPr txBox="1"/>
+            <p:nvPr/>
+          </p:nvSpPr>
+          <p:spPr>
+            <a:xfrm>
+              <a:off x="3138379" y="1772816"/>
+              <a:ext cx="1444626" cy="584775"/>
+            </a:xfrm>
+            <a:prstGeom prst="rect">
+              <a:avLst/>
+            </a:prstGeom>
+            <a:noFill/>
+          </p:spPr>
+          <p:txBody>
+            <a:bodyPr wrap="none" rtlCol="0">
+              <a:spAutoFit/>
+            </a:bodyPr>
+            <a:lstStyle/>
+            <a:p>
+              <a:pPr algn="r"/>
+              <a:r>
+                <a:rPr lang="fr-FR" sz="1600" b="0" dirty="0" err="1" smtClean="0">
+                  <a:solidFill>
+                    <a:srgbClr val="FF0000"/>
+                  </a:solidFill>
+                </a:rPr>
+                <a:t>Partitioning</a:t>
+              </a:r>
+              <a:endParaRPr lang="fr-FR" sz="1600" b="0" dirty="0" smtClean="0">
+                <a:solidFill>
+                  <a:srgbClr val="FF0000"/>
+                </a:solidFill>
+              </a:endParaRPr>
+            </a:p>
+            <a:p>
+              <a:pPr algn="r"/>
+              <a:r>
+                <a:rPr lang="fr-FR" sz="1600" dirty="0" err="1" smtClean="0">
+                  <a:solidFill>
+                    <a:srgbClr val="FF0000"/>
+                  </a:solidFill>
+                </a:rPr>
+                <a:t>Unpartitioning</a:t>
+              </a:r>
+              <a:endParaRPr lang="fr-FR" sz="1600" b="0" dirty="0">
+                <a:solidFill>
+                  <a:srgbClr val="FF0000"/>
+                </a:solidFill>
+              </a:endParaRPr>
+            </a:p>
+          </p:txBody>
+        </p:sp>
+        <p:cxnSp>
+          <p:nvCxnSpPr>
+            <p:cNvPr id="164" name="Connecteur droit avec flèche 163"/>
+            <p:cNvCxnSpPr/>
+            <p:nvPr/>
+          </p:nvCxnSpPr>
+          <p:spPr bwMode="auto">
+            <a:xfrm>
+              <a:off x="5039252" y="1761447"/>
+              <a:ext cx="0" cy="612000"/>
+            </a:xfrm>
+            <a:prstGeom prst="straightConnector1">
+              <a:avLst/>
+            </a:prstGeom>
+            <a:solidFill>
+              <a:schemeClr val="accent1"/>
+            </a:solidFill>
+            <a:ln w="38100" cap="flat" cmpd="sng" algn="ctr">
+              <a:solidFill>
+                <a:schemeClr val="accent4">
+                  <a:lumMod val="60000"/>
+                  <a:lumOff val="40000"/>
+                </a:schemeClr>
+              </a:solidFill>
+              <a:prstDash val="solid"/>
+              <a:round/>
+              <a:headEnd type="triangle" w="med" len="med"/>
+              <a:tailEnd type="triangle" w="med" len="med"/>
+            </a:ln>
+            <a:effectLst/>
+            <a:extLst>
+              <a:ext uri="{AF507438-7753-43E0-B8FC-AC1667EBCBE1}">
+                <a14:hiddenEffects xmlns:a14="http://schemas.microsoft.com/office/drawing/2010/main">
+                  <a:effectLst>
+                    <a:outerShdw blurRad="63500" dist="38099" dir="2700000" algn="ctr" rotWithShape="0">
+                      <a:schemeClr val="bg2">
+                        <a:alpha val="74998"/>
+                      </a:schemeClr>
+                    </a:outerShdw>
+                  </a:effectLst>
+                </a14:hiddenEffects>
+              </a:ext>
+            </a:extLst>
+          </p:spPr>
+        </p:cxnSp>
+        <p:sp>
+          <p:nvSpPr>
+            <p:cNvPr id="165" name="Organigramme : Disque magnétique 164"/>
+            <p:cNvSpPr/>
+            <p:nvPr/>
+          </p:nvSpPr>
+          <p:spPr bwMode="auto">
+            <a:xfrm>
+              <a:off x="611560" y="555005"/>
+              <a:ext cx="1263121" cy="919716"/>
+            </a:xfrm>
+            <a:prstGeom prst="flowChartMagneticDisk">
+              <a:avLst/>
+            </a:prstGeom>
+            <a:solidFill>
+              <a:schemeClr val="bg1"/>
+            </a:solidFill>
+            <a:ln w="38100" cap="flat" cmpd="sng" algn="ctr">
+              <a:solidFill>
+                <a:srgbClr val="00509A"/>
+              </a:solidFill>
+              <a:prstDash val="solid"/>
+              <a:round/>
+              <a:headEnd type="none" w="med" len="med"/>
+              <a:tailEnd type="none" w="med" len="med"/>
+            </a:ln>
+            <a:effectLst/>
+            <a:extLst/>
+          </p:spPr>
+          <p:txBody>
+            <a:bodyPr vert="horz" wrap="square" lIns="91440" tIns="45720" rIns="91440" bIns="45720" numCol="1" rtlCol="0" anchor="t" anchorCtr="0" compatLnSpc="1">
+              <a:prstTxWarp prst="textNoShape">
+                <a:avLst/>
+              </a:prstTxWarp>
+            </a:bodyPr>
+            <a:lstStyle/>
+            <a:p>
+              <a:pPr marL="0" marR="0" indent="0" algn="ctr" defTabSz="914400" rtl="0" eaLnBrk="0" fontAlgn="base" latinLnBrk="0" hangingPunct="0">
+                <a:lnSpc>
+                  <a:spcPct val="100000"/>
+                </a:lnSpc>
+                <a:spcBef>
+                  <a:spcPct val="0"/>
+                </a:spcBef>
+                <a:spcAft>
+                  <a:spcPct val="0"/>
+                </a:spcAft>
+                <a:buClrTx/>
+                <a:buSzTx/>
+                <a:buFontTx/>
+                <a:buNone/>
+                <a:tabLst/>
+              </a:pPr>
+              <a:r>
+                <a:rPr kumimoji="0" lang="fr-FR" sz="1800" b="0" i="0" u="none" strike="noStrike" cap="none" normalizeH="0" baseline="0" dirty="0" smtClean="0">
+                  <a:ln>
+                    <a:noFill/>
+                  </a:ln>
+                  <a:solidFill>
+                    <a:srgbClr val="000000"/>
+                  </a:solidFill>
+                  <a:effectLst/>
+                  <a:latin typeface="Arial" charset="0"/>
+                  <a:ea typeface="ＭＳ Ｐゴシック" charset="0"/>
+                  <a:cs typeface="Geneva" charset="0"/>
+                </a:rPr>
+                <a:t>CGNS</a:t>
+              </a:r>
+            </a:p>
+            <a:p>
+              <a:pPr marL="0" marR="0" indent="0" algn="ctr" defTabSz="914400" rtl="0" eaLnBrk="0" fontAlgn="base" latinLnBrk="0" hangingPunct="0">
+                <a:lnSpc>
+                  <a:spcPct val="100000"/>
+                </a:lnSpc>
+                <a:spcBef>
+                  <a:spcPct val="0"/>
+                </a:spcBef>
+                <a:spcAft>
+                  <a:spcPct val="0"/>
+                </a:spcAft>
+                <a:buClrTx/>
+                <a:buSzTx/>
+                <a:buFontTx/>
+                <a:buNone/>
+                <a:tabLst/>
+              </a:pPr>
+              <a:r>
+                <a:rPr lang="fr-FR" dirty="0" smtClean="0">
+                  <a:solidFill>
+                    <a:srgbClr val="000000"/>
+                  </a:solidFill>
+                  <a:latin typeface="Arial" charset="0"/>
+                  <a:ea typeface="ＭＳ Ｐゴシック" charset="0"/>
+                  <a:cs typeface="Geneva" charset="0"/>
+                </a:rPr>
+                <a:t>File</a:t>
+              </a:r>
+              <a:endParaRPr kumimoji="0" lang="fr-FR" sz="1800" b="0" i="0" u="none" strike="noStrike" cap="none" normalizeH="0" baseline="0" dirty="0">
+                <a:ln>
+                  <a:noFill/>
+                </a:ln>
+                <a:solidFill>
+                  <a:srgbClr val="000000"/>
+                </a:solidFill>
+                <a:effectLst/>
+                <a:latin typeface="Arial" charset="0"/>
+                <a:ea typeface="ＭＳ Ｐゴシック" charset="0"/>
+                <a:cs typeface="Geneva" charset="0"/>
+              </a:endParaRPr>
+            </a:p>
+          </p:txBody>
+        </p:sp>
+        <p:pic>
+          <p:nvPicPr>
+            <p:cNvPr id="21" name="Image 20"/>
+            <p:cNvPicPr>
+              <a:picLocks noChangeAspect="1"/>
+            </p:cNvPicPr>
+            <p:nvPr/>
+          </p:nvPicPr>
+          <p:blipFill>
+            <a:blip r:embed="rId3">
+              <a:extLst>
+                <a:ext uri="{28A0092B-C50C-407E-A947-70E740481C1C}">
+                  <a14:useLocalDpi xmlns:a14="http://schemas.microsoft.com/office/drawing/2010/main" val="0"/>
+                </a:ext>
+              </a:extLst>
+            </a:blip>
+            <a:stretch>
+              <a:fillRect/>
+            </a:stretch>
+          </p:blipFill>
+          <p:spPr>
+            <a:xfrm>
+              <a:off x="7898032" y="581202"/>
+              <a:ext cx="679686" cy="679686"/>
+            </a:xfrm>
+            <a:prstGeom prst="rect">
+              <a:avLst/>
+            </a:prstGeom>
+          </p:spPr>
+        </p:pic>
+        <p:sp>
+          <p:nvSpPr>
+            <p:cNvPr id="22" name="ZoneTexte 21"/>
+            <p:cNvSpPr txBox="1"/>
+            <p:nvPr/>
+          </p:nvSpPr>
+          <p:spPr>
+            <a:xfrm rot="20787139" flipH="1">
+              <a:off x="5536369" y="1129092"/>
+              <a:ext cx="2552389" cy="369332"/>
+            </a:xfrm>
+            <a:prstGeom prst="rect">
+              <a:avLst/>
+            </a:prstGeom>
+            <a:noFill/>
+          </p:spPr>
+          <p:txBody>
+            <a:bodyPr wrap="square" rtlCol="0">
+              <a:spAutoFit/>
+            </a:bodyPr>
+            <a:lstStyle/>
+            <a:p>
+              <a:r>
+                <a:rPr lang="fr-FR" sz="1800" b="0" dirty="0" err="1" smtClean="0">
+                  <a:solidFill>
+                    <a:srgbClr val="7030A0"/>
+                  </a:solidFill>
+                </a:rPr>
+                <a:t>Parallel</a:t>
+              </a:r>
+              <a:r>
+                <a:rPr lang="fr-FR" sz="1800" b="0" dirty="0" smtClean="0">
+                  <a:solidFill>
+                    <a:srgbClr val="7030A0"/>
+                  </a:solidFill>
+                </a:rPr>
+                <a:t> </a:t>
+              </a:r>
+              <a:r>
+                <a:rPr lang="fr-FR" sz="1800" b="0" dirty="0" err="1" smtClean="0">
+                  <a:solidFill>
+                    <a:srgbClr val="7030A0"/>
+                  </a:solidFill>
+                </a:rPr>
+                <a:t>mesh</a:t>
+              </a:r>
+              <a:r>
+                <a:rPr lang="fr-FR" sz="1800" b="0" dirty="0" smtClean="0">
+                  <a:solidFill>
+                    <a:srgbClr val="7030A0"/>
+                  </a:solidFill>
+                </a:rPr>
+                <a:t> </a:t>
+              </a:r>
+              <a:r>
+                <a:rPr lang="fr-FR" sz="1800" b="0" dirty="0" err="1" smtClean="0">
+                  <a:solidFill>
+                    <a:srgbClr val="7030A0"/>
+                  </a:solidFill>
+                </a:rPr>
+                <a:t>generation</a:t>
+              </a:r>
+              <a:endParaRPr lang="fr-FR" sz="1800" b="0" dirty="0">
+                <a:solidFill>
+                  <a:srgbClr val="7030A0"/>
+                </a:solidFill>
+              </a:endParaRPr>
+            </a:p>
+          </p:txBody>
+        </p:sp>
+        <p:cxnSp>
+          <p:nvCxnSpPr>
+            <p:cNvPr id="23" name="Connecteur droit avec flèche 22"/>
+            <p:cNvCxnSpPr>
+              <a:endCxn id="151" idx="3"/>
+            </p:cNvCxnSpPr>
+            <p:nvPr/>
+          </p:nvCxnSpPr>
+          <p:spPr bwMode="auto">
+            <a:xfrm flipH="1">
+              <a:off x="5485908" y="897732"/>
+              <a:ext cx="2470468" cy="582782"/>
+            </a:xfrm>
+            <a:prstGeom prst="straightConnector1">
+              <a:avLst/>
+            </a:prstGeom>
+            <a:solidFill>
+              <a:schemeClr val="accent1"/>
+            </a:solidFill>
+            <a:ln w="28575" cap="flat" cmpd="sng" algn="ctr">
+              <a:solidFill>
+                <a:srgbClr val="B3A2C7"/>
+              </a:solidFill>
+              <a:prstDash val="solid"/>
+              <a:round/>
+              <a:headEnd type="none" w="med" len="med"/>
+              <a:tailEnd type="triangle"/>
+            </a:ln>
+            <a:effectLst/>
+            <a:extLst>
+              <a:ext uri="{AF507438-7753-43e0-B8FC-AC1667EBCBE1}">
+                <a14:hiddenEffects xmlns="" xmlns:a14="http://schemas.microsoft.com/office/drawing/2010/main">
+                  <a:effectLst>
+                    <a:outerShdw blurRad="63500" dist="38099" dir="2700000" algn="ctr" rotWithShape="0">
+                      <a:schemeClr val="bg2">
+                        <a:alpha val="74998"/>
+                      </a:schemeClr>
+                    </a:outerShdw>
+                  </a:effectLst>
+                </a14:hiddenEffects>
+              </a:ext>
+            </a:extLst>
+          </p:spPr>
+        </p:cxnSp>
+        <p:sp>
+          <p:nvSpPr>
+            <p:cNvPr id="24" name="ZoneTexte 23"/>
+            <p:cNvSpPr txBox="1"/>
+            <p:nvPr/>
+          </p:nvSpPr>
+          <p:spPr>
+            <a:xfrm>
+              <a:off x="7528263" y="1198277"/>
+              <a:ext cx="1412191" cy="400110"/>
+            </a:xfrm>
+            <a:prstGeom prst="rect">
+              <a:avLst/>
+            </a:prstGeom>
+            <a:noFill/>
+          </p:spPr>
+          <p:txBody>
+            <a:bodyPr wrap="square" rtlCol="0">
+              <a:spAutoFit/>
+            </a:bodyPr>
+            <a:lstStyle/>
+            <a:p>
+              <a:r>
+                <a:rPr lang="fr-FR" sz="2000" b="0" dirty="0" err="1" smtClean="0">
+                  <a:solidFill>
+                    <a:schemeClr val="tx1"/>
+                  </a:solidFill>
+                </a:rPr>
+                <a:t>Geometry</a:t>
+              </a:r>
+              <a:endParaRPr lang="fr-FR" sz="2000" b="0" dirty="0">
+                <a:solidFill>
+                  <a:schemeClr val="tx1"/>
+                </a:solidFill>
+              </a:endParaRPr>
+            </a:p>
+          </p:txBody>
+        </p:sp>
+      </p:grpSp>
+    </p:spTree>
+    <p:extLst>
+      <p:ext uri="{BB962C8B-B14F-4D97-AF65-F5344CB8AC3E}">
+        <p14:creationId xmlns:p14="http://schemas.microsoft.com/office/powerpoint/2010/main" val="332922612"/>
       </p:ext>
     </p:extLst>
   </p:cSld>
